--- a/Dokumentacie/Prezentacie/Innovators.pptx
+++ b/Dokumentacie/Prezentacie/Innovators.pptx
@@ -5,7 +5,7 @@
     <p:sldMasterId id="2147483648" r:id="rId1"/>
   </p:sldMasterIdLst>
   <p:notesMasterIdLst>
-    <p:notesMasterId r:id="rId17"/>
+    <p:notesMasterId r:id="rId16"/>
   </p:notesMasterIdLst>
   <p:sldIdLst>
     <p:sldId id="270" r:id="rId2"/>
@@ -22,7 +22,6 @@
     <p:sldId id="280" r:id="rId13"/>
     <p:sldId id="260" r:id="rId14"/>
     <p:sldId id="282" r:id="rId15"/>
-    <p:sldId id="278" r:id="rId16"/>
   </p:sldIdLst>
   <p:sldSz cx="9144000" cy="5715000" type="screen16x10"/>
   <p:notesSz cx="6858000" cy="9144000"/>
@@ -1089,88 +1088,6 @@
               <a:rPr lang="sk-SK" smtClean="0"/>
               <a:pPr/>
               <a:t>14</a:t>
-            </a:fld>
-            <a:endParaRPr lang="sk-SK"/>
-          </a:p>
-        </p:txBody>
-      </p:sp>
-    </p:spTree>
-  </p:cSld>
-  <p:clrMapOvr>
-    <a:masterClrMapping/>
-  </p:clrMapOvr>
-</p:notes>
-</file>
-
-<file path=ppt/notesSlides/notesSlide15.xml><?xml version="1.0" encoding="utf-8"?>
-<p:notes xmlns:a="http://schemas.openxmlformats.org/drawingml/2006/main" xmlns:r="http://schemas.openxmlformats.org/officeDocument/2006/relationships" xmlns:p="http://schemas.openxmlformats.org/presentationml/2006/main">
-  <p:cSld>
-    <p:spTree>
-      <p:nvGrpSpPr>
-        <p:cNvPr id="1" name=""/>
-        <p:cNvGrpSpPr/>
-        <p:nvPr/>
-      </p:nvGrpSpPr>
-      <p:grpSpPr>
-        <a:xfrm>
-          <a:off x="0" y="0"/>
-          <a:ext cx="0" cy="0"/>
-          <a:chOff x="0" y="0"/>
-          <a:chExt cx="0" cy="0"/>
-        </a:xfrm>
-      </p:grpSpPr>
-      <p:sp>
-        <p:nvSpPr>
-          <p:cNvPr id="2" name="Zástupný symbol obrazu snímky 1"/>
-          <p:cNvSpPr>
-            <a:spLocks noGrp="1" noRot="1" noChangeAspect="1"/>
-          </p:cNvSpPr>
-          <p:nvPr>
-            <p:ph type="sldImg"/>
-          </p:nvPr>
-        </p:nvSpPr>
-        <p:spPr/>
-      </p:sp>
-      <p:sp>
-        <p:nvSpPr>
-          <p:cNvPr id="3" name="Zástupný symbol poznámok 2"/>
-          <p:cNvSpPr>
-            <a:spLocks noGrp="1"/>
-          </p:cNvSpPr>
-          <p:nvPr>
-            <p:ph type="body" idx="1"/>
-          </p:nvPr>
-        </p:nvSpPr>
-        <p:spPr/>
-        <p:txBody>
-          <a:bodyPr>
-            <a:normAutofit/>
-          </a:bodyPr>
-          <a:lstStyle/>
-          <a:p>
-            <a:endParaRPr lang="sk-SK" dirty="0"/>
-          </a:p>
-        </p:txBody>
-      </p:sp>
-      <p:sp>
-        <p:nvSpPr>
-          <p:cNvPr id="4" name="Zástupný symbol čísla snímky 3"/>
-          <p:cNvSpPr>
-            <a:spLocks noGrp="1"/>
-          </p:cNvSpPr>
-          <p:nvPr>
-            <p:ph type="sldNum" sz="quarter" idx="10"/>
-          </p:nvPr>
-        </p:nvSpPr>
-        <p:spPr/>
-        <p:txBody>
-          <a:bodyPr/>
-          <a:lstStyle/>
-          <a:p>
-            <a:fld id="{7D50ED8A-6824-479D-836F-3084D76D034C}" type="slidenum">
-              <a:rPr lang="sk-SK" smtClean="0"/>
-              <a:pPr/>
-              <a:t>15</a:t>
             </a:fld>
             <a:endParaRPr lang="sk-SK"/>
           </a:p>
@@ -4848,6 +4765,18 @@
 <file path=ppt/slides/slide1.xml><?xml version="1.0" encoding="utf-8"?>
 <p:sld xmlns:a="http://schemas.openxmlformats.org/drawingml/2006/main" xmlns:r="http://schemas.openxmlformats.org/officeDocument/2006/relationships" xmlns:p="http://schemas.openxmlformats.org/presentationml/2006/main">
   <p:cSld>
+    <p:bg>
+      <p:bgPr>
+        <a:blipFill dpi="0" rotWithShape="1">
+          <a:blip r:embed="rId3"/>
+          <a:srcRect/>
+          <a:stretch>
+            <a:fillRect/>
+          </a:stretch>
+        </a:blipFill>
+        <a:effectLst/>
+      </p:bgPr>
+    </p:bg>
     <p:spTree>
       <p:nvGrpSpPr>
         <p:cNvPr id="1" name=""/>
@@ -4924,7 +4853,7 @@
           <p:nvPr/>
         </p:nvPicPr>
         <p:blipFill>
-          <a:blip r:embed="rId3" cstate="print"/>
+          <a:blip r:embed="rId4" cstate="print"/>
           <a:stretch>
             <a:fillRect/>
           </a:stretch>
@@ -5185,7 +5114,7 @@
           <p:nvPr/>
         </p:nvPicPr>
         <p:blipFill>
-          <a:blip r:embed="rId4" cstate="print"/>
+          <a:blip r:embed="rId5" cstate="print"/>
           <a:srcRect/>
           <a:stretch>
             <a:fillRect/>
@@ -5218,7 +5147,7 @@
           <p:nvPr/>
         </p:nvPicPr>
         <p:blipFill>
-          <a:blip r:embed="rId5" cstate="print"/>
+          <a:blip r:embed="rId6" cstate="print"/>
           <a:srcRect b="19655"/>
           <a:stretch>
             <a:fillRect/>
@@ -8618,924 +8547,6 @@
         <p:cTn id="1" dur="indefinite" restart="never" nodeType="tmRoot"/>
       </p:par>
     </p:tnLst>
-  </p:timing>
-</p:sld>
-</file>
-
-<file path=ppt/slides/slide15.xml><?xml version="1.0" encoding="utf-8"?>
-<p:sld xmlns:a="http://schemas.openxmlformats.org/drawingml/2006/main" xmlns:r="http://schemas.openxmlformats.org/officeDocument/2006/relationships" xmlns:p="http://schemas.openxmlformats.org/presentationml/2006/main">
-  <p:cSld>
-    <p:spTree>
-      <p:nvGrpSpPr>
-        <p:cNvPr id="1" name=""/>
-        <p:cNvGrpSpPr/>
-        <p:nvPr/>
-      </p:nvGrpSpPr>
-      <p:grpSpPr>
-        <a:xfrm>
-          <a:off x="0" y="0"/>
-          <a:ext cx="0" cy="0"/>
-          <a:chOff x="0" y="0"/>
-          <a:chExt cx="0" cy="0"/>
-        </a:xfrm>
-      </p:grpSpPr>
-      <p:sp>
-        <p:nvSpPr>
-          <p:cNvPr id="22" name="Round Same Side Corner Rectangle 15"/>
-          <p:cNvSpPr/>
-          <p:nvPr/>
-        </p:nvSpPr>
-        <p:spPr bwMode="auto">
-          <a:xfrm rot="5400000">
-            <a:off x="2357438" y="-1428764"/>
-            <a:ext cx="4143404" cy="8858280"/>
-          </a:xfrm>
-          <a:prstGeom prst="round2SameRect">
-            <a:avLst/>
-          </a:prstGeom>
-          <a:solidFill>
-            <a:srgbClr val="000000">
-              <a:alpha val="28000"/>
-            </a:srgbClr>
-          </a:solidFill>
-          <a:ln w="12700">
-            <a:noFill/>
-            <a:headEnd type="none" w="med" len="med"/>
-            <a:tailEnd type="none" w="med" len="med"/>
-          </a:ln>
-          <a:effectLst/>
-        </p:spPr>
-        <p:style>
-          <a:lnRef idx="1">
-            <a:schemeClr val="accent2"/>
-          </a:lnRef>
-          <a:fillRef idx="3">
-            <a:schemeClr val="accent2"/>
-          </a:fillRef>
-          <a:effectRef idx="2">
-            <a:schemeClr val="accent2"/>
-          </a:effectRef>
-          <a:fontRef idx="minor">
-            <a:schemeClr val="lt1"/>
-          </a:fontRef>
-        </p:style>
-        <p:txBody>
-          <a:bodyPr vert="horz" wrap="square" lIns="68566" tIns="228558" rIns="68566" bIns="34283" numCol="1" rtlCol="0" anchor="t" anchorCtr="0" compatLnSpc="1">
-            <a:prstTxWarp prst="textNoShape">
-              <a:avLst/>
-            </a:prstTxWarp>
-          </a:bodyPr>
-          <a:lstStyle/>
-          <a:p>
-            <a:pPr algn="ctr" defTabSz="685750" fontAlgn="base">
-              <a:lnSpc>
-                <a:spcPct val="80000"/>
-              </a:lnSpc>
-              <a:spcBef>
-                <a:spcPct val="0"/>
-              </a:spcBef>
-              <a:spcAft>
-                <a:spcPct val="0"/>
-              </a:spcAft>
-              <a:buClr>
-                <a:srgbClr val="FFFF99"/>
-              </a:buClr>
-              <a:buSzPct val="120000"/>
-              <a:defRPr/>
-            </a:pPr>
-            <a:endParaRPr lang="en-US" altLang="zh-CN" sz="4100" b="1" spc="-94" dirty="0">
-              <a:ln w="18415" cmpd="sng">
-                <a:noFill/>
-                <a:prstDash val="solid"/>
-              </a:ln>
-              <a:solidFill>
-                <a:srgbClr val="000000"/>
-              </a:solidFill>
-              <a:effectLst>
-                <a:glow rad="101600">
-                  <a:srgbClr val="CCECFF"/>
-                </a:glow>
-                <a:innerShdw blurRad="114300">
-                  <a:prstClr val="black"/>
-                </a:innerShdw>
-              </a:effectLst>
-              <a:latin typeface="Segoe"/>
-            </a:endParaRPr>
-          </a:p>
-        </p:txBody>
-      </p:sp>
-      <p:sp>
-        <p:nvSpPr>
-          <p:cNvPr id="5" name="Freeform 8"/>
-          <p:cNvSpPr>
-            <a:spLocks/>
-          </p:cNvSpPr>
-          <p:nvPr/>
-        </p:nvSpPr>
-        <p:spPr bwMode="auto">
-          <a:xfrm rot="5400000">
-            <a:off x="4460057" y="428625"/>
-            <a:ext cx="285750" cy="10287000"/>
-          </a:xfrm>
-          <a:prstGeom prst="rect">
-            <a:avLst/>
-          </a:prstGeom>
-          <a:gradFill flip="none" rotWithShape="1">
-            <a:gsLst>
-              <a:gs pos="0">
-                <a:sysClr val="windowText" lastClr="000000">
-                  <a:alpha val="0"/>
-                </a:sysClr>
-              </a:gs>
-              <a:gs pos="38000">
-                <a:sysClr val="windowText" lastClr="000000"/>
-              </a:gs>
-              <a:gs pos="100000">
-                <a:sysClr val="windowText" lastClr="000000">
-                  <a:alpha val="0"/>
-                </a:sysClr>
-              </a:gs>
-            </a:gsLst>
-            <a:lin ang="16200000" scaled="1"/>
-            <a:tileRect/>
-          </a:gradFill>
-          <a:ln w="9525">
-            <a:noFill/>
-            <a:round/>
-            <a:headEnd/>
-            <a:tailEnd/>
-          </a:ln>
-        </p:spPr>
-        <p:txBody>
-          <a:bodyPr vert="horz" wrap="square" lIns="68589" tIns="34295" rIns="68589" bIns="34295" numCol="1" anchor="t" anchorCtr="0" compatLnSpc="1">
-            <a:prstTxWarp prst="textNoShape">
-              <a:avLst/>
-            </a:prstTxWarp>
-          </a:bodyPr>
-          <a:lstStyle/>
-          <a:p>
-            <a:pPr marL="0" marR="0" lvl="0" indent="0" defTabSz="914400" eaLnBrk="1" fontAlgn="auto" latinLnBrk="0" hangingPunct="1">
-              <a:lnSpc>
-                <a:spcPct val="100000"/>
-              </a:lnSpc>
-              <a:spcBef>
-                <a:spcPts val="0"/>
-              </a:spcBef>
-              <a:spcAft>
-                <a:spcPts val="0"/>
-              </a:spcAft>
-              <a:buClrTx/>
-              <a:buSzTx/>
-              <a:buFontTx/>
-              <a:buNone/>
-              <a:tabLst/>
-              <a:defRPr/>
-            </a:pPr>
-            <a:endParaRPr kumimoji="0" lang="en-US" sz="1800" b="0" i="0" u="none" strike="noStrike" kern="0" cap="none" spc="0" normalizeH="0" baseline="0" noProof="0" dirty="0">
-              <a:ln>
-                <a:noFill/>
-              </a:ln>
-              <a:solidFill>
-                <a:sysClr val="windowText" lastClr="000000"/>
-              </a:solidFill>
-              <a:effectLst/>
-              <a:uLnTx/>
-              <a:uFillTx/>
-            </a:endParaRPr>
-          </a:p>
-        </p:txBody>
-      </p:sp>
-      <p:sp>
-        <p:nvSpPr>
-          <p:cNvPr id="8" name="TextBox 2"/>
-          <p:cNvSpPr txBox="1"/>
-          <p:nvPr/>
-        </p:nvSpPr>
-        <p:spPr>
-          <a:xfrm>
-            <a:off x="4214810" y="337220"/>
-            <a:ext cx="4929190" cy="492443"/>
-          </a:xfrm>
-          <a:prstGeom prst="rect">
-            <a:avLst/>
-          </a:prstGeom>
-          <a:noFill/>
-          <a:effectLst/>
-        </p:spPr>
-        <p:txBody>
-          <a:bodyPr wrap="square" lIns="0" tIns="0" rIns="0" bIns="0" rtlCol="0">
-            <a:spAutoFit/>
-          </a:bodyPr>
-          <a:lstStyle/>
-          <a:p>
-            <a:pPr lvl="0" algn="ctr">
-              <a:defRPr/>
-            </a:pPr>
-            <a:r>
-              <a:rPr lang="sk-SK" sz="3200" b="1" kern="0" smtClean="0">
-                <a:ln w="18415" cmpd="sng">
-                  <a:noFill/>
-                  <a:prstDash val="solid"/>
-                </a:ln>
-                <a:solidFill>
-                  <a:srgbClr val="FFFFFF"/>
-                </a:solidFill>
-                <a:effectLst>
-                  <a:outerShdw blurRad="50800" dist="38100" dir="2700000" algn="tl" rotWithShape="0">
-                    <a:prstClr val="black">
-                      <a:alpha val="40000"/>
-                    </a:prstClr>
-                  </a:outerShdw>
-                </a:effectLst>
-                <a:latin typeface="Times New Roman" pitchFamily="18" charset="0"/>
-                <a:cs typeface="Times New Roman" pitchFamily="18" charset="0"/>
-              </a:rPr>
-              <a:t>Architektúra riešenia</a:t>
-            </a:r>
-          </a:p>
-        </p:txBody>
-      </p:sp>
-      <p:sp>
-        <p:nvSpPr>
-          <p:cNvPr id="11" name="TextBox 47"/>
-          <p:cNvSpPr txBox="1"/>
-          <p:nvPr/>
-        </p:nvSpPr>
-        <p:spPr>
-          <a:xfrm>
-            <a:off x="107504" y="5399519"/>
-            <a:ext cx="2051719" cy="315481"/>
-          </a:xfrm>
-          <a:prstGeom prst="rect">
-            <a:avLst/>
-          </a:prstGeom>
-          <a:noFill/>
-          <a:effectLst>
-            <a:outerShdw blurRad="50800" dist="38100" dir="2700000" algn="tl" rotWithShape="0">
-              <a:prstClr val="black">
-                <a:alpha val="40000"/>
-              </a:prstClr>
-            </a:outerShdw>
-          </a:effectLst>
-        </p:spPr>
-        <p:txBody>
-          <a:bodyPr wrap="square" lIns="68589" tIns="34295" rIns="68589" bIns="34295" rtlCol="0">
-            <a:spAutoFit/>
-          </a:bodyPr>
-          <a:lstStyle/>
-          <a:p>
-            <a:pPr marL="0" marR="0" lvl="0" indent="0" defTabSz="914400" eaLnBrk="1" fontAlgn="base" latinLnBrk="0" hangingPunct="1">
-              <a:lnSpc>
-                <a:spcPct val="100000"/>
-              </a:lnSpc>
-              <a:spcBef>
-                <a:spcPct val="0"/>
-              </a:spcBef>
-              <a:spcAft>
-                <a:spcPct val="0"/>
-              </a:spcAft>
-              <a:buClrTx/>
-              <a:buSzTx/>
-              <a:buFontTx/>
-              <a:buNone/>
-              <a:tabLst/>
-              <a:defRPr/>
-            </a:pPr>
-            <a:r>
-              <a:rPr kumimoji="0" lang="sk-SK" sz="1600" b="0" i="1" u="none" strike="noStrike" kern="0" cap="none" spc="0" normalizeH="0" baseline="0" noProof="0" dirty="0" smtClean="0">
-                <a:ln>
-                  <a:noFill/>
-                </a:ln>
-                <a:solidFill>
-                  <a:schemeClr val="bg1">
-                    <a:lumMod val="65000"/>
-                  </a:schemeClr>
-                </a:solidFill>
-                <a:effectLst>
-                  <a:outerShdw blurRad="38100" dist="38100" dir="2700000" algn="tl">
-                    <a:srgbClr val="000000">
-                      <a:alpha val="43137"/>
-                    </a:srgbClr>
-                  </a:outerShdw>
-                </a:effectLst>
-                <a:uLnTx/>
-                <a:uFillTx/>
-                <a:latin typeface="Constantia" pitchFamily="18" charset="0"/>
-              </a:rPr>
-              <a:t>Innovators </a:t>
-            </a:r>
-            <a:r>
-              <a:rPr kumimoji="0" lang="sk-SK" sz="1200" b="0" i="1" u="none" strike="noStrike" kern="0" cap="none" spc="0" normalizeH="0" baseline="0" noProof="0" dirty="0" smtClean="0">
-                <a:ln>
-                  <a:noFill/>
-                </a:ln>
-                <a:solidFill>
-                  <a:schemeClr val="bg1">
-                    <a:lumMod val="65000"/>
-                  </a:schemeClr>
-                </a:solidFill>
-                <a:effectLst>
-                  <a:outerShdw blurRad="38100" dist="38100" dir="2700000" algn="tl">
-                    <a:srgbClr val="000000">
-                      <a:alpha val="43137"/>
-                    </a:srgbClr>
-                  </a:outerShdw>
-                </a:effectLst>
-                <a:uLnTx/>
-                <a:uFillTx/>
-                <a:latin typeface="Constantia" pitchFamily="18" charset="0"/>
-              </a:rPr>
-              <a:t>|</a:t>
-            </a:r>
-            <a:r>
-              <a:rPr kumimoji="0" lang="sk-SK" sz="1200" b="0" i="1" u="none" strike="noStrike" kern="0" cap="none" spc="0" normalizeH="0" noProof="0" dirty="0" smtClean="0">
-                <a:ln>
-                  <a:noFill/>
-                </a:ln>
-                <a:solidFill>
-                  <a:schemeClr val="bg1">
-                    <a:lumMod val="65000"/>
-                  </a:schemeClr>
-                </a:solidFill>
-                <a:effectLst>
-                  <a:outerShdw blurRad="38100" dist="38100" dir="2700000" algn="tl">
-                    <a:srgbClr val="000000">
-                      <a:alpha val="43137"/>
-                    </a:srgbClr>
-                  </a:outerShdw>
-                </a:effectLst>
-                <a:uLnTx/>
-                <a:uFillTx/>
-                <a:latin typeface="Constantia" pitchFamily="18" charset="0"/>
-              </a:rPr>
-              <a:t> </a:t>
-            </a:r>
-            <a:r>
-              <a:rPr kumimoji="0" lang="sk-SK" sz="1200" b="0" i="1" u="none" strike="noStrike" kern="0" cap="none" spc="0" normalizeH="0" baseline="0" noProof="0" dirty="0" smtClean="0">
-                <a:ln>
-                  <a:noFill/>
-                </a:ln>
-                <a:solidFill>
-                  <a:schemeClr val="bg1">
-                    <a:lumMod val="65000"/>
-                  </a:schemeClr>
-                </a:solidFill>
-                <a:effectLst>
-                  <a:outerShdw blurRad="38100" dist="38100" dir="2700000" algn="tl">
-                    <a:srgbClr val="000000">
-                      <a:alpha val="43137"/>
-                    </a:srgbClr>
-                  </a:outerShdw>
-                </a:effectLst>
-                <a:uLnTx/>
-                <a:uFillTx/>
-                <a:latin typeface="Constantia" pitchFamily="18" charset="0"/>
-              </a:rPr>
-              <a:t>tím</a:t>
-            </a:r>
-            <a:r>
-              <a:rPr kumimoji="0" lang="sk-SK" sz="1400" b="0" i="1" u="none" strike="noStrike" kern="0" cap="none" spc="0" normalizeH="0" baseline="0" noProof="0" dirty="0" smtClean="0">
-                <a:ln>
-                  <a:noFill/>
-                </a:ln>
-                <a:solidFill>
-                  <a:schemeClr val="bg1">
-                    <a:lumMod val="65000"/>
-                  </a:schemeClr>
-                </a:solidFill>
-                <a:effectLst>
-                  <a:outerShdw blurRad="38100" dist="38100" dir="2700000" algn="tl">
-                    <a:srgbClr val="000000">
-                      <a:alpha val="43137"/>
-                    </a:srgbClr>
-                  </a:outerShdw>
-                </a:effectLst>
-                <a:uLnTx/>
-                <a:uFillTx/>
-                <a:latin typeface="Constantia" pitchFamily="18" charset="0"/>
-              </a:rPr>
-              <a:t> č.10</a:t>
-            </a:r>
-            <a:endParaRPr kumimoji="0" lang="en-US" sz="1600" b="0" i="1" u="none" strike="noStrike" kern="0" cap="none" spc="0" normalizeH="0" baseline="0" noProof="0" dirty="0">
-              <a:ln>
-                <a:noFill/>
-              </a:ln>
-              <a:solidFill>
-                <a:schemeClr val="bg1">
-                  <a:lumMod val="65000"/>
-                </a:schemeClr>
-              </a:solidFill>
-              <a:effectLst>
-                <a:outerShdw blurRad="38100" dist="38100" dir="2700000" algn="tl">
-                  <a:srgbClr val="000000">
-                    <a:alpha val="43137"/>
-                  </a:srgbClr>
-                </a:outerShdw>
-              </a:effectLst>
-              <a:uLnTx/>
-              <a:uFillTx/>
-              <a:latin typeface="Constantia" pitchFamily="18" charset="0"/>
-            </a:endParaRPr>
-          </a:p>
-        </p:txBody>
-      </p:sp>
-      <p:sp>
-        <p:nvSpPr>
-          <p:cNvPr id="7" name="TextBox 2"/>
-          <p:cNvSpPr txBox="1"/>
-          <p:nvPr/>
-        </p:nvSpPr>
-        <p:spPr>
-          <a:xfrm>
-            <a:off x="4786314" y="1142988"/>
-            <a:ext cx="3929090" cy="461665"/>
-          </a:xfrm>
-          <a:prstGeom prst="rect">
-            <a:avLst/>
-          </a:prstGeom>
-          <a:noFill/>
-        </p:spPr>
-        <p:txBody>
-          <a:bodyPr wrap="square" lIns="0" tIns="0" rIns="0" bIns="0" rtlCol="0">
-            <a:spAutoFit/>
-          </a:bodyPr>
-          <a:lstStyle/>
-          <a:p>
-            <a:pPr>
-              <a:lnSpc>
-                <a:spcPct val="150000"/>
-              </a:lnSpc>
-              <a:buFont typeface="Arial" pitchFamily="34" charset="0"/>
-              <a:buChar char="•"/>
-              <a:defRPr/>
-            </a:pPr>
-            <a:r>
-              <a:rPr lang="en-US" sz="2000" kern="0" smtClean="0">
-                <a:ln w="18415" cmpd="sng">
-                  <a:noFill/>
-                  <a:prstDash val="solid"/>
-                </a:ln>
-                <a:solidFill>
-                  <a:srgbClr val="FFFFFF"/>
-                </a:solidFill>
-                <a:effectLst>
-                  <a:outerShdw blurRad="50800" dist="38100" dir="2700000" algn="tl" rotWithShape="0">
-                    <a:prstClr val="black">
-                      <a:alpha val="40000"/>
-                    </a:prstClr>
-                  </a:outerShdw>
-                </a:effectLst>
-                <a:latin typeface="Times New Roman" pitchFamily="18" charset="0"/>
-                <a:cs typeface="Times New Roman" pitchFamily="18" charset="0"/>
-              </a:rPr>
-              <a:t> </a:t>
-            </a:r>
-            <a:r>
-              <a:rPr lang="sk-SK" sz="2000" kern="0" smtClean="0">
-                <a:ln w="18415" cmpd="sng">
-                  <a:noFill/>
-                  <a:prstDash val="solid"/>
-                </a:ln>
-                <a:solidFill>
-                  <a:srgbClr val="FFFFFF"/>
-                </a:solidFill>
-                <a:effectLst>
-                  <a:outerShdw blurRad="50800" dist="38100" dir="2700000" algn="tl" rotWithShape="0">
-                    <a:prstClr val="black">
-                      <a:alpha val="40000"/>
-                    </a:prstClr>
-                  </a:outerShdw>
-                </a:effectLst>
-                <a:latin typeface="Times New Roman" pitchFamily="18" charset="0"/>
-                <a:cs typeface="Times New Roman" pitchFamily="18" charset="0"/>
-              </a:rPr>
-              <a:t>Navhrnutá t</a:t>
-            </a:r>
-            <a:r>
-              <a:rPr lang="en-US" sz="2000" kern="0" smtClean="0">
-                <a:ln w="18415" cmpd="sng">
-                  <a:noFill/>
-                  <a:prstDash val="solid"/>
-                </a:ln>
-                <a:solidFill>
-                  <a:srgbClr val="FFFFFF"/>
-                </a:solidFill>
-                <a:effectLst>
-                  <a:outerShdw blurRad="50800" dist="38100" dir="2700000" algn="tl" rotWithShape="0">
-                    <a:prstClr val="black">
-                      <a:alpha val="40000"/>
-                    </a:prstClr>
-                  </a:outerShdw>
-                </a:effectLst>
-                <a:latin typeface="Times New Roman" pitchFamily="18" charset="0"/>
-                <a:cs typeface="Times New Roman" pitchFamily="18" charset="0"/>
-              </a:rPr>
-              <a:t>rojvrstvov</a:t>
-            </a:r>
-            <a:r>
-              <a:rPr lang="sk-SK" sz="2000" kern="0" smtClean="0">
-                <a:ln w="18415" cmpd="sng">
-                  <a:noFill/>
-                  <a:prstDash val="solid"/>
-                </a:ln>
-                <a:solidFill>
-                  <a:srgbClr val="FFFFFF"/>
-                </a:solidFill>
-                <a:effectLst>
-                  <a:outerShdw blurRad="50800" dist="38100" dir="2700000" algn="tl" rotWithShape="0">
-                    <a:prstClr val="black">
-                      <a:alpha val="40000"/>
-                    </a:prstClr>
-                  </a:outerShdw>
-                </a:effectLst>
-                <a:latin typeface="Times New Roman" pitchFamily="18" charset="0"/>
-                <a:cs typeface="Times New Roman" pitchFamily="18" charset="0"/>
-              </a:rPr>
-              <a:t>á architektúra</a:t>
-            </a:r>
-            <a:endParaRPr lang="pl-PL" sz="2000" kern="0" smtClean="0">
-              <a:ln w="18415" cmpd="sng">
-                <a:noFill/>
-                <a:prstDash val="solid"/>
-              </a:ln>
-              <a:solidFill>
-                <a:srgbClr val="FFFFFF"/>
-              </a:solidFill>
-              <a:effectLst>
-                <a:outerShdw blurRad="50800" dist="38100" dir="2700000" algn="tl" rotWithShape="0">
-                  <a:prstClr val="black">
-                    <a:alpha val="40000"/>
-                  </a:prstClr>
-                </a:outerShdw>
-              </a:effectLst>
-              <a:latin typeface="Times New Roman" pitchFamily="18" charset="0"/>
-              <a:cs typeface="Times New Roman" pitchFamily="18" charset="0"/>
-            </a:endParaRPr>
-          </a:p>
-        </p:txBody>
-      </p:sp>
-      <p:grpSp>
-        <p:nvGrpSpPr>
-          <p:cNvPr id="10" name="Skupina 9"/>
-          <p:cNvGrpSpPr/>
-          <p:nvPr/>
-        </p:nvGrpSpPr>
-        <p:grpSpPr>
-          <a:xfrm>
-            <a:off x="142844" y="357170"/>
-            <a:ext cx="4572032" cy="4803025"/>
-            <a:chOff x="214282" y="500046"/>
-            <a:chExt cx="4572032" cy="4588711"/>
-          </a:xfrm>
-        </p:grpSpPr>
-        <p:sp>
-          <p:nvSpPr>
-            <p:cNvPr id="9" name="Obdĺžnik 8"/>
-            <p:cNvSpPr/>
-            <p:nvPr/>
-          </p:nvSpPr>
-          <p:spPr>
-            <a:xfrm>
-              <a:off x="285720" y="571484"/>
-              <a:ext cx="4429156" cy="4434520"/>
-            </a:xfrm>
-            <a:prstGeom prst="rect">
-              <a:avLst/>
-            </a:prstGeom>
-            <a:solidFill>
-              <a:schemeClr val="bg1"/>
-            </a:solidFill>
-            <a:ln>
-              <a:solidFill>
-                <a:schemeClr val="bg1"/>
-              </a:solidFill>
-            </a:ln>
-          </p:spPr>
-          <p:style>
-            <a:lnRef idx="2">
-              <a:schemeClr val="accent1">
-                <a:shade val="50000"/>
-              </a:schemeClr>
-            </a:lnRef>
-            <a:fillRef idx="1">
-              <a:schemeClr val="accent1"/>
-            </a:fillRef>
-            <a:effectRef idx="0">
-              <a:schemeClr val="accent1"/>
-            </a:effectRef>
-            <a:fontRef idx="minor">
-              <a:schemeClr val="lt1"/>
-            </a:fontRef>
-          </p:style>
-          <p:txBody>
-            <a:bodyPr rtlCol="0" anchor="ctr"/>
-            <a:lstStyle/>
-            <a:p>
-              <a:pPr algn="ctr"/>
-              <a:endParaRPr lang="sk-SK">
-                <a:solidFill>
-                  <a:schemeClr val="bg1"/>
-                </a:solidFill>
-              </a:endParaRPr>
-            </a:p>
-          </p:txBody>
-        </p:sp>
-        <p:pic>
-          <p:nvPicPr>
-            <p:cNvPr id="1026" name="Picture 2"/>
-            <p:cNvPicPr>
-              <a:picLocks noChangeAspect="1" noChangeArrowheads="1"/>
-            </p:cNvPicPr>
-            <p:nvPr/>
-          </p:nvPicPr>
-          <p:blipFill>
-            <a:blip r:embed="rId3"/>
-            <a:srcRect/>
-            <a:stretch>
-              <a:fillRect/>
-            </a:stretch>
-          </p:blipFill>
-          <p:spPr bwMode="auto">
-            <a:xfrm>
-              <a:off x="214282" y="500046"/>
-              <a:ext cx="4572032" cy="4588711"/>
-            </a:xfrm>
-            <a:prstGeom prst="rect">
-              <a:avLst/>
-            </a:prstGeom>
-            <a:noFill/>
-            <a:ln w="9525">
-              <a:noFill/>
-              <a:miter lim="800000"/>
-              <a:headEnd/>
-              <a:tailEnd/>
-            </a:ln>
-          </p:spPr>
-        </p:pic>
-      </p:grpSp>
-    </p:spTree>
-  </p:cSld>
-  <p:clrMapOvr>
-    <a:masterClrMapping/>
-  </p:clrMapOvr>
-  <p:transition spd="med">
-    <p:cover dir="r"/>
-  </p:transition>
-  <p:timing>
-    <p:tnLst>
-      <p:par>
-        <p:cTn id="1" dur="indefinite" restart="never" nodeType="tmRoot">
-          <p:childTnLst>
-            <p:seq concurrent="1" nextAc="seek">
-              <p:cTn id="2" dur="indefinite" nodeType="mainSeq">
-                <p:childTnLst>
-                  <p:par>
-                    <p:cTn id="3" fill="hold">
-                      <p:stCondLst>
-                        <p:cond delay="indefinite"/>
-                        <p:cond evt="onBegin" delay="0">
-                          <p:tn val="2"/>
-                        </p:cond>
-                      </p:stCondLst>
-                      <p:childTnLst>
-                        <p:par>
-                          <p:cTn id="4" fill="hold">
-                            <p:stCondLst>
-                              <p:cond delay="0"/>
-                            </p:stCondLst>
-                            <p:childTnLst>
-                              <p:par>
-                                <p:cTn id="5" presetID="17" presetClass="entr" presetSubtype="8" fill="hold" grpId="0" nodeType="afterEffect">
-                                  <p:stCondLst>
-                                    <p:cond delay="0"/>
-                                  </p:stCondLst>
-                                  <p:childTnLst>
-                                    <p:set>
-                                      <p:cBhvr>
-                                        <p:cTn id="6" dur="1" fill="hold">
-                                          <p:stCondLst>
-                                            <p:cond delay="0"/>
-                                          </p:stCondLst>
-                                        </p:cTn>
-                                        <p:tgtEl>
-                                          <p:spTgt spid="22"/>
-                                        </p:tgtEl>
-                                        <p:attrNameLst>
-                                          <p:attrName>style.visibility</p:attrName>
-                                        </p:attrNameLst>
-                                      </p:cBhvr>
-                                      <p:to>
-                                        <p:strVal val="visible"/>
-                                      </p:to>
-                                    </p:set>
-                                    <p:anim calcmode="lin" valueType="num">
-                                      <p:cBhvr>
-                                        <p:cTn id="7" dur="1000" fill="hold"/>
-                                        <p:tgtEl>
-                                          <p:spTgt spid="22"/>
-                                        </p:tgtEl>
-                                        <p:attrNameLst>
-                                          <p:attrName>ppt_x</p:attrName>
-                                        </p:attrNameLst>
-                                      </p:cBhvr>
-                                      <p:tavLst>
-                                        <p:tav tm="0">
-                                          <p:val>
-                                            <p:strVal val="#ppt_x-#ppt_w/2"/>
-                                          </p:val>
-                                        </p:tav>
-                                        <p:tav tm="100000">
-                                          <p:val>
-                                            <p:strVal val="#ppt_x"/>
-                                          </p:val>
-                                        </p:tav>
-                                      </p:tavLst>
-                                    </p:anim>
-                                    <p:anim calcmode="lin" valueType="num">
-                                      <p:cBhvr>
-                                        <p:cTn id="8" dur="1000" fill="hold"/>
-                                        <p:tgtEl>
-                                          <p:spTgt spid="22"/>
-                                        </p:tgtEl>
-                                        <p:attrNameLst>
-                                          <p:attrName>ppt_y</p:attrName>
-                                        </p:attrNameLst>
-                                      </p:cBhvr>
-                                      <p:tavLst>
-                                        <p:tav tm="0">
-                                          <p:val>
-                                            <p:strVal val="#ppt_y"/>
-                                          </p:val>
-                                        </p:tav>
-                                        <p:tav tm="100000">
-                                          <p:val>
-                                            <p:strVal val="#ppt_y"/>
-                                          </p:val>
-                                        </p:tav>
-                                      </p:tavLst>
-                                    </p:anim>
-                                    <p:anim calcmode="lin" valueType="num">
-                                      <p:cBhvr>
-                                        <p:cTn id="9" dur="1000" fill="hold"/>
-                                        <p:tgtEl>
-                                          <p:spTgt spid="22"/>
-                                        </p:tgtEl>
-                                        <p:attrNameLst>
-                                          <p:attrName>ppt_w</p:attrName>
-                                        </p:attrNameLst>
-                                      </p:cBhvr>
-                                      <p:tavLst>
-                                        <p:tav tm="0">
-                                          <p:val>
-                                            <p:fltVal val="0"/>
-                                          </p:val>
-                                        </p:tav>
-                                        <p:tav tm="100000">
-                                          <p:val>
-                                            <p:strVal val="#ppt_w"/>
-                                          </p:val>
-                                        </p:tav>
-                                      </p:tavLst>
-                                    </p:anim>
-                                    <p:anim calcmode="lin" valueType="num">
-                                      <p:cBhvr>
-                                        <p:cTn id="10" dur="1000" fill="hold"/>
-                                        <p:tgtEl>
-                                          <p:spTgt spid="22"/>
-                                        </p:tgtEl>
-                                        <p:attrNameLst>
-                                          <p:attrName>ppt_h</p:attrName>
-                                        </p:attrNameLst>
-                                      </p:cBhvr>
-                                      <p:tavLst>
-                                        <p:tav tm="0">
-                                          <p:val>
-                                            <p:strVal val="#ppt_h"/>
-                                          </p:val>
-                                        </p:tav>
-                                        <p:tav tm="100000">
-                                          <p:val>
-                                            <p:strVal val="#ppt_h"/>
-                                          </p:val>
-                                        </p:tav>
-                                      </p:tavLst>
-                                    </p:anim>
-                                  </p:childTnLst>
-                                </p:cTn>
-                              </p:par>
-                            </p:childTnLst>
-                          </p:cTn>
-                        </p:par>
-                        <p:par>
-                          <p:cTn id="11" fill="hold">
-                            <p:stCondLst>
-                              <p:cond delay="1000"/>
-                            </p:stCondLst>
-                            <p:childTnLst>
-                              <p:par>
-                                <p:cTn id="12" presetID="2" presetClass="entr" presetSubtype="2" fill="hold" grpId="0" nodeType="afterEffect">
-                                  <p:stCondLst>
-                                    <p:cond delay="0"/>
-                                  </p:stCondLst>
-                                  <p:childTnLst>
-                                    <p:set>
-                                      <p:cBhvr>
-                                        <p:cTn id="13" dur="1" fill="hold">
-                                          <p:stCondLst>
-                                            <p:cond delay="0"/>
-                                          </p:stCondLst>
-                                        </p:cTn>
-                                        <p:tgtEl>
-                                          <p:spTgt spid="7"/>
-                                        </p:tgtEl>
-                                        <p:attrNameLst>
-                                          <p:attrName>style.visibility</p:attrName>
-                                        </p:attrNameLst>
-                                      </p:cBhvr>
-                                      <p:to>
-                                        <p:strVal val="visible"/>
-                                      </p:to>
-                                    </p:set>
-                                    <p:anim calcmode="lin" valueType="num">
-                                      <p:cBhvr additive="base">
-                                        <p:cTn id="14" dur="1000" fill="hold"/>
-                                        <p:tgtEl>
-                                          <p:spTgt spid="7"/>
-                                        </p:tgtEl>
-                                        <p:attrNameLst>
-                                          <p:attrName>ppt_x</p:attrName>
-                                        </p:attrNameLst>
-                                      </p:cBhvr>
-                                      <p:tavLst>
-                                        <p:tav tm="0">
-                                          <p:val>
-                                            <p:strVal val="1+#ppt_w/2"/>
-                                          </p:val>
-                                        </p:tav>
-                                        <p:tav tm="100000">
-                                          <p:val>
-                                            <p:strVal val="#ppt_x"/>
-                                          </p:val>
-                                        </p:tav>
-                                      </p:tavLst>
-                                    </p:anim>
-                                    <p:anim calcmode="lin" valueType="num">
-                                      <p:cBhvr additive="base">
-                                        <p:cTn id="15" dur="1000" fill="hold"/>
-                                        <p:tgtEl>
-                                          <p:spTgt spid="7"/>
-                                        </p:tgtEl>
-                                        <p:attrNameLst>
-                                          <p:attrName>ppt_y</p:attrName>
-                                        </p:attrNameLst>
-                                      </p:cBhvr>
-                                      <p:tavLst>
-                                        <p:tav tm="0">
-                                          <p:val>
-                                            <p:strVal val="#ppt_y"/>
-                                          </p:val>
-                                        </p:tav>
-                                        <p:tav tm="100000">
-                                          <p:val>
-                                            <p:strVal val="#ppt_y"/>
-                                          </p:val>
-                                        </p:tav>
-                                      </p:tavLst>
-                                    </p:anim>
-                                  </p:childTnLst>
-                                </p:cTn>
-                              </p:par>
-                            </p:childTnLst>
-                          </p:cTn>
-                        </p:par>
-                      </p:childTnLst>
-                    </p:cTn>
-                  </p:par>
-                </p:childTnLst>
-              </p:cTn>
-              <p:prevCondLst>
-                <p:cond evt="onPrev" delay="0">
-                  <p:tgtEl>
-                    <p:sldTgt/>
-                  </p:tgtEl>
-                </p:cond>
-              </p:prevCondLst>
-              <p:nextCondLst>
-                <p:cond evt="onNext" delay="0">
-                  <p:tgtEl>
-                    <p:sldTgt/>
-                  </p:tgtEl>
-                </p:cond>
-              </p:nextCondLst>
-            </p:seq>
-          </p:childTnLst>
-        </p:cTn>
-      </p:par>
-    </p:tnLst>
-    <p:bldLst>
-      <p:bldP spid="22" grpId="0" animBg="1"/>
-      <p:bldP spid="7" grpId="0"/>
-    </p:bldLst>
   </p:timing>
 </p:sld>
 </file>
